--- a/other/SmartCity.pptx
+++ b/other/SmartCity.pptx
@@ -114,6 +114,11 @@
       </a:defRPr>
     </a:lvl9pPr>
   </p:defaultTextStyle>
+  <p:extLst>
+    <p:ext uri="{EFAFB233-063F-42B5-8137-9DF3F51BA10A}">
+      <p15:sldGuideLst xmlns:p15="http://schemas.microsoft.com/office/powerpoint/2012/main"/>
+    </p:ext>
+  </p:extLst>
 </p:presentation>
 </file>
 
@@ -264,7 +269,7 @@
           <a:p>
             <a:fld id="{2EF45454-6C22-4A85-94A8-DCE8690F9D49}" type="datetimeFigureOut">
               <a:rPr lang="el-GR" smtClean="0"/>
-              <a:t>12/1/2026</a:t>
+              <a:t>17/1/2026</a:t>
             </a:fld>
             <a:endParaRPr lang="el-GR"/>
           </a:p>
@@ -462,7 +467,7 @@
           <a:p>
             <a:fld id="{2EF45454-6C22-4A85-94A8-DCE8690F9D49}" type="datetimeFigureOut">
               <a:rPr lang="el-GR" smtClean="0"/>
-              <a:t>12/1/2026</a:t>
+              <a:t>17/1/2026</a:t>
             </a:fld>
             <a:endParaRPr lang="el-GR"/>
           </a:p>
@@ -670,7 +675,7 @@
           <a:p>
             <a:fld id="{2EF45454-6C22-4A85-94A8-DCE8690F9D49}" type="datetimeFigureOut">
               <a:rPr lang="el-GR" smtClean="0"/>
-              <a:t>12/1/2026</a:t>
+              <a:t>17/1/2026</a:t>
             </a:fld>
             <a:endParaRPr lang="el-GR"/>
           </a:p>
@@ -868,7 +873,7 @@
           <a:p>
             <a:fld id="{2EF45454-6C22-4A85-94A8-DCE8690F9D49}" type="datetimeFigureOut">
               <a:rPr lang="el-GR" smtClean="0"/>
-              <a:t>12/1/2026</a:t>
+              <a:t>17/1/2026</a:t>
             </a:fld>
             <a:endParaRPr lang="el-GR"/>
           </a:p>
@@ -1143,7 +1148,7 @@
           <a:p>
             <a:fld id="{2EF45454-6C22-4A85-94A8-DCE8690F9D49}" type="datetimeFigureOut">
               <a:rPr lang="el-GR" smtClean="0"/>
-              <a:t>12/1/2026</a:t>
+              <a:t>17/1/2026</a:t>
             </a:fld>
             <a:endParaRPr lang="el-GR"/>
           </a:p>
@@ -1408,7 +1413,7 @@
           <a:p>
             <a:fld id="{2EF45454-6C22-4A85-94A8-DCE8690F9D49}" type="datetimeFigureOut">
               <a:rPr lang="el-GR" smtClean="0"/>
-              <a:t>12/1/2026</a:t>
+              <a:t>17/1/2026</a:t>
             </a:fld>
             <a:endParaRPr lang="el-GR"/>
           </a:p>
@@ -1820,7 +1825,7 @@
           <a:p>
             <a:fld id="{2EF45454-6C22-4A85-94A8-DCE8690F9D49}" type="datetimeFigureOut">
               <a:rPr lang="el-GR" smtClean="0"/>
-              <a:t>12/1/2026</a:t>
+              <a:t>17/1/2026</a:t>
             </a:fld>
             <a:endParaRPr lang="el-GR"/>
           </a:p>
@@ -1961,7 +1966,7 @@
           <a:p>
             <a:fld id="{2EF45454-6C22-4A85-94A8-DCE8690F9D49}" type="datetimeFigureOut">
               <a:rPr lang="el-GR" smtClean="0"/>
-              <a:t>12/1/2026</a:t>
+              <a:t>17/1/2026</a:t>
             </a:fld>
             <a:endParaRPr lang="el-GR"/>
           </a:p>
@@ -2074,7 +2079,7 @@
           <a:p>
             <a:fld id="{2EF45454-6C22-4A85-94A8-DCE8690F9D49}" type="datetimeFigureOut">
               <a:rPr lang="el-GR" smtClean="0"/>
-              <a:t>12/1/2026</a:t>
+              <a:t>17/1/2026</a:t>
             </a:fld>
             <a:endParaRPr lang="el-GR"/>
           </a:p>
@@ -2385,7 +2390,7 @@
           <a:p>
             <a:fld id="{2EF45454-6C22-4A85-94A8-DCE8690F9D49}" type="datetimeFigureOut">
               <a:rPr lang="el-GR" smtClean="0"/>
-              <a:t>12/1/2026</a:t>
+              <a:t>17/1/2026</a:t>
             </a:fld>
             <a:endParaRPr lang="el-GR"/>
           </a:p>
@@ -2673,7 +2678,7 @@
           <a:p>
             <a:fld id="{2EF45454-6C22-4A85-94A8-DCE8690F9D49}" type="datetimeFigureOut">
               <a:rPr lang="el-GR" smtClean="0"/>
-              <a:t>12/1/2026</a:t>
+              <a:t>17/1/2026</a:t>
             </a:fld>
             <a:endParaRPr lang="el-GR"/>
           </a:p>
@@ -2924,7 +2929,7 @@
           <a:p>
             <a:fld id="{2EF45454-6C22-4A85-94A8-DCE8690F9D49}" type="datetimeFigureOut">
               <a:rPr lang="el-GR" smtClean="0"/>
-              <a:t>12/1/2026</a:t>
+              <a:t>17/1/2026</a:t>
             </a:fld>
             <a:endParaRPr lang="el-GR"/>
           </a:p>

--- a/other/SmartCity.pptx
+++ b/other/SmartCity.pptx
@@ -269,7 +269,7 @@
           <a:p>
             <a:fld id="{2EF45454-6C22-4A85-94A8-DCE8690F9D49}" type="datetimeFigureOut">
               <a:rPr lang="el-GR" smtClean="0"/>
-              <a:t>17/1/2026</a:t>
+              <a:t>19/1/2026</a:t>
             </a:fld>
             <a:endParaRPr lang="el-GR"/>
           </a:p>
@@ -467,7 +467,7 @@
           <a:p>
             <a:fld id="{2EF45454-6C22-4A85-94A8-DCE8690F9D49}" type="datetimeFigureOut">
               <a:rPr lang="el-GR" smtClean="0"/>
-              <a:t>17/1/2026</a:t>
+              <a:t>19/1/2026</a:t>
             </a:fld>
             <a:endParaRPr lang="el-GR"/>
           </a:p>
@@ -675,7 +675,7 @@
           <a:p>
             <a:fld id="{2EF45454-6C22-4A85-94A8-DCE8690F9D49}" type="datetimeFigureOut">
               <a:rPr lang="el-GR" smtClean="0"/>
-              <a:t>17/1/2026</a:t>
+              <a:t>19/1/2026</a:t>
             </a:fld>
             <a:endParaRPr lang="el-GR"/>
           </a:p>
@@ -873,7 +873,7 @@
           <a:p>
             <a:fld id="{2EF45454-6C22-4A85-94A8-DCE8690F9D49}" type="datetimeFigureOut">
               <a:rPr lang="el-GR" smtClean="0"/>
-              <a:t>17/1/2026</a:t>
+              <a:t>19/1/2026</a:t>
             </a:fld>
             <a:endParaRPr lang="el-GR"/>
           </a:p>
@@ -1148,7 +1148,7 @@
           <a:p>
             <a:fld id="{2EF45454-6C22-4A85-94A8-DCE8690F9D49}" type="datetimeFigureOut">
               <a:rPr lang="el-GR" smtClean="0"/>
-              <a:t>17/1/2026</a:t>
+              <a:t>19/1/2026</a:t>
             </a:fld>
             <a:endParaRPr lang="el-GR"/>
           </a:p>
@@ -1413,7 +1413,7 @@
           <a:p>
             <a:fld id="{2EF45454-6C22-4A85-94A8-DCE8690F9D49}" type="datetimeFigureOut">
               <a:rPr lang="el-GR" smtClean="0"/>
-              <a:t>17/1/2026</a:t>
+              <a:t>19/1/2026</a:t>
             </a:fld>
             <a:endParaRPr lang="el-GR"/>
           </a:p>
@@ -1825,7 +1825,7 @@
           <a:p>
             <a:fld id="{2EF45454-6C22-4A85-94A8-DCE8690F9D49}" type="datetimeFigureOut">
               <a:rPr lang="el-GR" smtClean="0"/>
-              <a:t>17/1/2026</a:t>
+              <a:t>19/1/2026</a:t>
             </a:fld>
             <a:endParaRPr lang="el-GR"/>
           </a:p>
@@ -1966,7 +1966,7 @@
           <a:p>
             <a:fld id="{2EF45454-6C22-4A85-94A8-DCE8690F9D49}" type="datetimeFigureOut">
               <a:rPr lang="el-GR" smtClean="0"/>
-              <a:t>17/1/2026</a:t>
+              <a:t>19/1/2026</a:t>
             </a:fld>
             <a:endParaRPr lang="el-GR"/>
           </a:p>
@@ -2079,7 +2079,7 @@
           <a:p>
             <a:fld id="{2EF45454-6C22-4A85-94A8-DCE8690F9D49}" type="datetimeFigureOut">
               <a:rPr lang="el-GR" smtClean="0"/>
-              <a:t>17/1/2026</a:t>
+              <a:t>19/1/2026</a:t>
             </a:fld>
             <a:endParaRPr lang="el-GR"/>
           </a:p>
@@ -2390,7 +2390,7 @@
           <a:p>
             <a:fld id="{2EF45454-6C22-4A85-94A8-DCE8690F9D49}" type="datetimeFigureOut">
               <a:rPr lang="el-GR" smtClean="0"/>
-              <a:t>17/1/2026</a:t>
+              <a:t>19/1/2026</a:t>
             </a:fld>
             <a:endParaRPr lang="el-GR"/>
           </a:p>
@@ -2678,7 +2678,7 @@
           <a:p>
             <a:fld id="{2EF45454-6C22-4A85-94A8-DCE8690F9D49}" type="datetimeFigureOut">
               <a:rPr lang="el-GR" smtClean="0"/>
-              <a:t>17/1/2026</a:t>
+              <a:t>19/1/2026</a:t>
             </a:fld>
             <a:endParaRPr lang="el-GR"/>
           </a:p>
@@ -2758,7 +2758,7 @@
       <p:bgPr>
         <a:blipFill dpi="0" rotWithShape="1">
           <a:blip r:embed="rId13">
-            <a:alphaModFix amt="56000"/>
+            <a:alphaModFix amt="43000"/>
             <a:lum/>
           </a:blip>
           <a:srcRect/>
@@ -2929,7 +2929,7 @@
           <a:p>
             <a:fld id="{2EF45454-6C22-4A85-94A8-DCE8690F9D49}" type="datetimeFigureOut">
               <a:rPr lang="el-GR" smtClean="0"/>
-              <a:t>17/1/2026</a:t>
+              <a:t>19/1/2026</a:t>
             </a:fld>
             <a:endParaRPr lang="el-GR"/>
           </a:p>
@@ -3901,7 +3901,7 @@
             </a:r>
             <a:r>
               <a:rPr lang="en-US" dirty="0"/>
-              <a:t>: GitHub management, Global Design (CSS), Transport Module, Integration.</a:t>
+              <a:t>: GitHub management, Global Design (CSS), Transport Module, Integration, Home Page &amp; General Pages.</a:t>
             </a:r>
           </a:p>
           <a:p>
